--- a/SolvingTrainYardWithErlang.pptx
+++ b/SolvingTrainYardWithErlang.pptx
@@ -14,9 +14,9 @@
     <p:sldId id="262" r:id="rId8"/>
     <p:sldId id="263" r:id="rId9"/>
     <p:sldId id="264" r:id="rId10"/>
-    <p:sldId id="265" r:id="rId11"/>
-    <p:sldId id="267" r:id="rId12"/>
-    <p:sldId id="268" r:id="rId13"/>
+    <p:sldId id="267" r:id="rId11"/>
+    <p:sldId id="268" r:id="rId12"/>
+    <p:sldId id="265" r:id="rId13"/>
     <p:sldId id="266" r:id="rId14"/>
     <p:sldId id="269" r:id="rId15"/>
     <p:sldId id="270" r:id="rId16"/>
@@ -3199,594 +3199,6 @@
 </file>
 
 <file path=ppt/slides/slide10.xml><?xml version="1.0" encoding="utf-8"?>
-<p:sld xmlns:a="http://schemas.openxmlformats.org/drawingml/2006/main" xmlns:r="http://schemas.openxmlformats.org/officeDocument/2006/relationships" xmlns:p="http://schemas.openxmlformats.org/presentationml/2006/main">
-  <p:cSld>
-    <p:spTree>
-      <p:nvGrpSpPr>
-        <p:cNvPr id="1" name=""/>
-        <p:cNvGrpSpPr/>
-        <p:nvPr/>
-      </p:nvGrpSpPr>
-      <p:grpSpPr>
-        <a:xfrm>
-          <a:off x="0" y="0"/>
-          <a:ext cx="0" cy="0"/>
-          <a:chOff x="0" y="0"/>
-          <a:chExt cx="0" cy="0"/>
-        </a:xfrm>
-      </p:grpSpPr>
-      <p:sp>
-        <p:nvSpPr>
-          <p:cNvPr id="2" name="Title 1"/>
-          <p:cNvSpPr>
-            <a:spLocks noGrp="1"/>
-          </p:cNvSpPr>
-          <p:nvPr>
-            <p:ph type="title"/>
-          </p:nvPr>
-        </p:nvSpPr>
-        <p:spPr/>
-        <p:txBody>
-          <a:bodyPr/>
-          <a:lstStyle/>
-          <a:p>
-            <a:r>
-              <a:rPr lang="en-US" dirty="0" smtClean="0"/>
-              <a:t>Solution Utilities</a:t>
-            </a:r>
-            <a:endParaRPr lang="en-US" dirty="0"/>
-          </a:p>
-        </p:txBody>
-      </p:sp>
-      <p:sp>
-        <p:nvSpPr>
-          <p:cNvPr id="3" name="Content Placeholder 2"/>
-          <p:cNvSpPr>
-            <a:spLocks noGrp="1"/>
-          </p:cNvSpPr>
-          <p:nvPr>
-            <p:ph idx="1"/>
-          </p:nvPr>
-        </p:nvSpPr>
-        <p:spPr/>
-        <p:txBody>
-          <a:bodyPr>
-            <a:normAutofit fontScale="77500" lnSpcReduction="20000"/>
-          </a:bodyPr>
-          <a:lstStyle/>
-          <a:p>
-            <a:pPr marL="0" indent="0">
-              <a:buNone/>
-            </a:pPr>
-            <a:r>
-              <a:rPr lang="en-US" sz="1600" dirty="0" smtClean="0">
-                <a:latin typeface="Courier New" pitchFamily="49" charset="0"/>
-                <a:cs typeface="Courier New" pitchFamily="49" charset="0"/>
-              </a:rPr>
-              <a:t>%%</a:t>
-            </a:r>
-            <a:r>
-              <a:rPr lang="en-US" sz="1600" dirty="0" err="1" smtClean="0">
-                <a:latin typeface="Courier New" pitchFamily="49" charset="0"/>
-                <a:cs typeface="Courier New" pitchFamily="49" charset="0"/>
-              </a:rPr>
-              <a:t>generate_all_moves</a:t>
-            </a:r>
-            <a:r>
-              <a:rPr lang="en-US" sz="1600" dirty="0" smtClean="0">
-                <a:latin typeface="Courier New" pitchFamily="49" charset="0"/>
-                <a:cs typeface="Courier New" pitchFamily="49" charset="0"/>
-              </a:rPr>
-              <a:t>(Yard)</a:t>
-            </a:r>
-          </a:p>
-          <a:p>
-            <a:pPr marL="0" indent="0">
-              <a:buNone/>
-            </a:pPr>
-            <a:r>
-              <a:rPr lang="en-US" sz="1600" dirty="0" smtClean="0">
-                <a:latin typeface="Courier New" pitchFamily="49" charset="0"/>
-                <a:cs typeface="Courier New" pitchFamily="49" charset="0"/>
-              </a:rPr>
-              <a:t>%%tail recursive generation using built in fold function and list comprehension</a:t>
-            </a:r>
-          </a:p>
-          <a:p>
-            <a:pPr marL="0" indent="0">
-              <a:buNone/>
-            </a:pPr>
-            <a:r>
-              <a:rPr lang="en-US" sz="1600" dirty="0" err="1">
-                <a:solidFill>
-                  <a:srgbClr val="FF0000"/>
-                </a:solidFill>
-                <a:latin typeface="Courier New" pitchFamily="49" charset="0"/>
-                <a:cs typeface="Courier New" pitchFamily="49" charset="0"/>
-              </a:rPr>
-              <a:t>generate_all_moves</a:t>
-            </a:r>
-            <a:r>
-              <a:rPr lang="en-US" sz="1600" dirty="0" smtClean="0">
-                <a:latin typeface="Courier New" pitchFamily="49" charset="0"/>
-                <a:cs typeface="Courier New" pitchFamily="49" charset="0"/>
-              </a:rPr>
-              <a:t>(Yard) -&gt;</a:t>
-            </a:r>
-          </a:p>
-          <a:p>
-            <a:pPr marL="0" indent="0">
-              <a:buNone/>
-            </a:pPr>
-            <a:r>
-              <a:rPr lang="en-US" sz="1600" dirty="0" smtClean="0">
-                <a:latin typeface="Courier New" pitchFamily="49" charset="0"/>
-                <a:cs typeface="Courier New" pitchFamily="49" charset="0"/>
-              </a:rPr>
-              <a:t>    </a:t>
-            </a:r>
-            <a:r>
-              <a:rPr lang="en-US" sz="1600" dirty="0" err="1">
-                <a:solidFill>
-                  <a:srgbClr val="FF0000"/>
-                </a:solidFill>
-                <a:latin typeface="Courier New" pitchFamily="49" charset="0"/>
-                <a:cs typeface="Courier New" pitchFamily="49" charset="0"/>
-              </a:rPr>
-              <a:t>lists:foldl</a:t>
-            </a:r>
-            <a:r>
-              <a:rPr lang="en-US" sz="1600" dirty="0" smtClean="0">
-                <a:latin typeface="Courier New" pitchFamily="49" charset="0"/>
-                <a:cs typeface="Courier New" pitchFamily="49" charset="0"/>
-              </a:rPr>
-              <a:t>(</a:t>
-            </a:r>
-          </a:p>
-          <a:p>
-            <a:pPr marL="0" indent="0">
-              <a:buNone/>
-            </a:pPr>
-            <a:r>
-              <a:rPr lang="en-US" sz="1600" dirty="0" smtClean="0">
-                <a:latin typeface="Courier New" pitchFamily="49" charset="0"/>
-                <a:cs typeface="Courier New" pitchFamily="49" charset="0"/>
-              </a:rPr>
-              <a:t>        fun({Left, Right}, Moves) -&gt; </a:t>
-            </a:r>
-          </a:p>
-          <a:p>
-            <a:pPr marL="0" indent="0">
-              <a:buNone/>
-            </a:pPr>
-            <a:r>
-              <a:rPr lang="en-US" sz="1600" dirty="0">
-                <a:latin typeface="Courier New" pitchFamily="49" charset="0"/>
-                <a:cs typeface="Courier New" pitchFamily="49" charset="0"/>
-              </a:rPr>
-              <a:t>	</a:t>
-            </a:r>
-            <a:r>
-              <a:rPr lang="en-US" sz="1600" dirty="0" smtClean="0">
-                <a:latin typeface="Courier New" pitchFamily="49" charset="0"/>
-                <a:cs typeface="Courier New" pitchFamily="49" charset="0"/>
-              </a:rPr>
-              <a:t>	[{left, Right, Left}, {right, Left, Right} | Moves] end, </a:t>
-            </a:r>
-          </a:p>
-          <a:p>
-            <a:pPr marL="0" indent="0">
-              <a:buNone/>
-            </a:pPr>
-            <a:r>
-              <a:rPr lang="en-US" sz="1600" dirty="0">
-                <a:latin typeface="Courier New" pitchFamily="49" charset="0"/>
-                <a:cs typeface="Courier New" pitchFamily="49" charset="0"/>
-              </a:rPr>
-              <a:t>	</a:t>
-            </a:r>
-            <a:r>
-              <a:rPr lang="en-US" sz="1600" dirty="0" smtClean="0">
-                <a:latin typeface="Courier New" pitchFamily="49" charset="0"/>
-                <a:cs typeface="Courier New" pitchFamily="49" charset="0"/>
-              </a:rPr>
-              <a:t>[], Yard).</a:t>
-            </a:r>
-          </a:p>
-          <a:p>
-            <a:pPr marL="0" indent="0">
-              <a:buNone/>
-            </a:pPr>
-            <a:endParaRPr lang="en-US" sz="1600" dirty="0" smtClean="0"/>
-          </a:p>
-          <a:p>
-            <a:pPr marL="0" indent="0">
-              <a:buNone/>
-            </a:pPr>
-            <a:r>
-              <a:rPr lang="en-US" sz="1600" dirty="0" smtClean="0">
-                <a:latin typeface="Courier New" pitchFamily="49" charset="0"/>
-                <a:cs typeface="Courier New" pitchFamily="49" charset="0"/>
-              </a:rPr>
-              <a:t>%% </a:t>
-            </a:r>
-            <a:r>
-              <a:rPr lang="en-US" sz="1600" dirty="0">
-                <a:latin typeface="Courier New" pitchFamily="49" charset="0"/>
-                <a:cs typeface="Courier New" pitchFamily="49" charset="0"/>
-              </a:rPr>
-              <a:t>returns all possible moves for a yard in a given state </a:t>
-            </a:r>
-            <a:r>
-              <a:rPr lang="en-US" sz="1600" dirty="0" smtClean="0">
-                <a:latin typeface="Courier New" pitchFamily="49" charset="0"/>
-                <a:cs typeface="Courier New" pitchFamily="49" charset="0"/>
-              </a:rPr>
-              <a:t>based</a:t>
-            </a:r>
-            <a:endParaRPr lang="en-US" sz="1600" dirty="0">
-              <a:latin typeface="Courier New" pitchFamily="49" charset="0"/>
-              <a:cs typeface="Courier New" pitchFamily="49" charset="0"/>
-            </a:endParaRPr>
-          </a:p>
-          <a:p>
-            <a:pPr marL="0" indent="0">
-              <a:buNone/>
-            </a:pPr>
-            <a:r>
-              <a:rPr lang="en-US" sz="1600" dirty="0">
-                <a:latin typeface="Courier New" pitchFamily="49" charset="0"/>
-                <a:cs typeface="Courier New" pitchFamily="49" charset="0"/>
-              </a:rPr>
-              <a:t>%% </a:t>
-            </a:r>
-            <a:r>
-              <a:rPr lang="en-US" sz="1600" dirty="0" smtClean="0">
-                <a:latin typeface="Courier New" pitchFamily="49" charset="0"/>
-                <a:cs typeface="Courier New" pitchFamily="49" charset="0"/>
-              </a:rPr>
-              <a:t>on the "generate </a:t>
-            </a:r>
-            <a:r>
-              <a:rPr lang="en-US" sz="1600" dirty="0">
-                <a:latin typeface="Courier New" pitchFamily="49" charset="0"/>
-                <a:cs typeface="Courier New" pitchFamily="49" charset="0"/>
-              </a:rPr>
-              <a:t>and test" </a:t>
-            </a:r>
-            <a:r>
-              <a:rPr lang="en-US" sz="1600" dirty="0" smtClean="0">
-                <a:latin typeface="Courier New" pitchFamily="49" charset="0"/>
-                <a:cs typeface="Courier New" pitchFamily="49" charset="0"/>
-              </a:rPr>
-              <a:t>A.I. </a:t>
-            </a:r>
-            <a:r>
-              <a:rPr lang="en-US" sz="1600" dirty="0">
-                <a:latin typeface="Courier New" pitchFamily="49" charset="0"/>
-                <a:cs typeface="Courier New" pitchFamily="49" charset="0"/>
-              </a:rPr>
-              <a:t>paradigm</a:t>
-            </a:r>
-          </a:p>
-          <a:p>
-            <a:pPr marL="0" indent="0">
-              <a:buNone/>
-            </a:pPr>
-            <a:r>
-              <a:rPr lang="en-US" sz="1600" dirty="0" err="1">
-                <a:solidFill>
-                  <a:srgbClr val="FF0000"/>
-                </a:solidFill>
-                <a:latin typeface="Courier New" pitchFamily="49" charset="0"/>
-                <a:cs typeface="Courier New" pitchFamily="49" charset="0"/>
-              </a:rPr>
-              <a:t>possible_moves</a:t>
-            </a:r>
-            <a:r>
-              <a:rPr lang="en-US" sz="1600" dirty="0">
-                <a:latin typeface="Courier New" pitchFamily="49" charset="0"/>
-                <a:cs typeface="Courier New" pitchFamily="49" charset="0"/>
-              </a:rPr>
-              <a:t>(Yard, State) -&gt;</a:t>
-            </a:r>
-          </a:p>
-          <a:p>
-            <a:pPr marL="0" indent="0">
-              <a:buNone/>
-            </a:pPr>
-            <a:r>
-              <a:rPr lang="en-US" sz="1600" dirty="0" smtClean="0">
-                <a:latin typeface="Courier New" pitchFamily="49" charset="0"/>
-                <a:cs typeface="Courier New" pitchFamily="49" charset="0"/>
-              </a:rPr>
-              <a:t>	</a:t>
-            </a:r>
-            <a:r>
-              <a:rPr lang="en-US" sz="1600" dirty="0" err="1">
-                <a:solidFill>
-                  <a:srgbClr val="FF0000"/>
-                </a:solidFill>
-                <a:latin typeface="Courier New" pitchFamily="49" charset="0"/>
-                <a:cs typeface="Courier New" pitchFamily="49" charset="0"/>
-              </a:rPr>
-              <a:t>lists:filter</a:t>
-            </a:r>
-            <a:r>
-              <a:rPr lang="en-US" sz="1600" dirty="0">
-                <a:latin typeface="Courier New" pitchFamily="49" charset="0"/>
-                <a:cs typeface="Courier New" pitchFamily="49" charset="0"/>
-              </a:rPr>
-              <a:t>(</a:t>
-            </a:r>
-          </a:p>
-          <a:p>
-            <a:pPr marL="0" indent="0">
-              <a:buNone/>
-            </a:pPr>
-            <a:r>
-              <a:rPr lang="en-US" sz="1600" dirty="0">
-                <a:latin typeface="Courier New" pitchFamily="49" charset="0"/>
-                <a:cs typeface="Courier New" pitchFamily="49" charset="0"/>
-              </a:rPr>
-              <a:t>       </a:t>
-            </a:r>
-            <a:r>
-              <a:rPr lang="en-US" sz="1600" dirty="0" smtClean="0">
-                <a:latin typeface="Courier New" pitchFamily="49" charset="0"/>
-                <a:cs typeface="Courier New" pitchFamily="49" charset="0"/>
-              </a:rPr>
-              <a:t>   </a:t>
-            </a:r>
-            <a:r>
-              <a:rPr lang="en-US" sz="1600" dirty="0">
-                <a:latin typeface="Courier New" pitchFamily="49" charset="0"/>
-                <a:cs typeface="Courier New" pitchFamily="49" charset="0"/>
-              </a:rPr>
-              <a:t> fun(Move) -&gt; </a:t>
-            </a:r>
-            <a:endParaRPr lang="en-US" sz="1600" dirty="0" smtClean="0">
-              <a:latin typeface="Courier New" pitchFamily="49" charset="0"/>
-              <a:cs typeface="Courier New" pitchFamily="49" charset="0"/>
-            </a:endParaRPr>
-          </a:p>
-          <a:p>
-            <a:pPr marL="0" indent="0">
-              <a:buNone/>
-            </a:pPr>
-            <a:r>
-              <a:rPr lang="en-US" sz="1600" dirty="0">
-                <a:latin typeface="Courier New" pitchFamily="49" charset="0"/>
-                <a:cs typeface="Courier New" pitchFamily="49" charset="0"/>
-              </a:rPr>
-              <a:t>	</a:t>
-            </a:r>
-            <a:r>
-              <a:rPr lang="en-US" sz="1600" dirty="0" smtClean="0">
-                <a:latin typeface="Courier New" pitchFamily="49" charset="0"/>
-                <a:cs typeface="Courier New" pitchFamily="49" charset="0"/>
-              </a:rPr>
-              <a:t>	not </a:t>
-            </a:r>
-            <a:r>
-              <a:rPr lang="en-US" sz="1600" dirty="0" err="1">
-                <a:solidFill>
-                  <a:srgbClr val="FF0000"/>
-                </a:solidFill>
-                <a:latin typeface="Courier New" pitchFamily="49" charset="0"/>
-                <a:cs typeface="Courier New" pitchFamily="49" charset="0"/>
-              </a:rPr>
-              <a:t>is_illegal_move</a:t>
-            </a:r>
-            <a:r>
-              <a:rPr lang="en-US" sz="1600" dirty="0">
-                <a:latin typeface="Courier New" pitchFamily="49" charset="0"/>
-                <a:cs typeface="Courier New" pitchFamily="49" charset="0"/>
-              </a:rPr>
-              <a:t>(Move, Yard, State) end, 	</a:t>
-            </a:r>
-            <a:r>
-              <a:rPr lang="en-US" sz="1600" dirty="0" err="1">
-                <a:solidFill>
-                  <a:srgbClr val="FF0000"/>
-                </a:solidFill>
-                <a:latin typeface="Courier New" pitchFamily="49" charset="0"/>
-                <a:cs typeface="Courier New" pitchFamily="49" charset="0"/>
-              </a:rPr>
-              <a:t>generate_all_moves</a:t>
-            </a:r>
-            <a:r>
-              <a:rPr lang="en-US" sz="1600" dirty="0" smtClean="0">
-                <a:latin typeface="Courier New" pitchFamily="49" charset="0"/>
-                <a:cs typeface="Courier New" pitchFamily="49" charset="0"/>
-              </a:rPr>
-              <a:t>(Yard</a:t>
-            </a:r>
-            <a:r>
-              <a:rPr lang="en-US" sz="1600" dirty="0">
-                <a:latin typeface="Courier New" pitchFamily="49" charset="0"/>
-                <a:cs typeface="Courier New" pitchFamily="49" charset="0"/>
-              </a:rPr>
-              <a:t>) </a:t>
-            </a:r>
-            <a:r>
-              <a:rPr lang="en-US" sz="1600" dirty="0" smtClean="0">
-                <a:latin typeface="Courier New" pitchFamily="49" charset="0"/>
-                <a:cs typeface="Courier New" pitchFamily="49" charset="0"/>
-              </a:rPr>
-              <a:t>).</a:t>
-            </a:r>
-          </a:p>
-          <a:p>
-            <a:pPr marL="0" indent="0">
-              <a:buNone/>
-            </a:pPr>
-            <a:endParaRPr lang="en-US" sz="1600" dirty="0">
-              <a:latin typeface="Courier New" pitchFamily="49" charset="0"/>
-              <a:cs typeface="Courier New" pitchFamily="49" charset="0"/>
-            </a:endParaRPr>
-          </a:p>
-          <a:p>
-            <a:pPr marL="0" indent="0">
-              <a:buNone/>
-            </a:pPr>
-            <a:r>
-              <a:rPr lang="en-US" sz="1600" dirty="0">
-                <a:latin typeface="Courier New" pitchFamily="49" charset="0"/>
-                <a:cs typeface="Courier New" pitchFamily="49" charset="0"/>
-              </a:rPr>
-              <a:t>%%expand: take a yard and a state and return a list of all states reachable in one step</a:t>
-            </a:r>
-          </a:p>
-          <a:p>
-            <a:pPr marL="0" indent="0">
-              <a:buNone/>
-            </a:pPr>
-            <a:r>
-              <a:rPr lang="en-US" sz="1600" dirty="0">
-                <a:solidFill>
-                  <a:srgbClr val="FF0000"/>
-                </a:solidFill>
-                <a:latin typeface="Courier New" pitchFamily="49" charset="0"/>
-                <a:cs typeface="Courier New" pitchFamily="49" charset="0"/>
-              </a:rPr>
-              <a:t>expand</a:t>
-            </a:r>
-            <a:r>
-              <a:rPr lang="en-US" sz="1600" dirty="0">
-                <a:latin typeface="Courier New" pitchFamily="49" charset="0"/>
-                <a:cs typeface="Courier New" pitchFamily="49" charset="0"/>
-              </a:rPr>
-              <a:t>(State, Yard) -&gt;</a:t>
-            </a:r>
-          </a:p>
-          <a:p>
-            <a:pPr marL="0" indent="0">
-              <a:buNone/>
-            </a:pPr>
-            <a:r>
-              <a:rPr lang="en-US" sz="1600" dirty="0">
-                <a:latin typeface="Courier New" pitchFamily="49" charset="0"/>
-                <a:cs typeface="Courier New" pitchFamily="49" charset="0"/>
-              </a:rPr>
-              <a:t>    </a:t>
-            </a:r>
-            <a:r>
-              <a:rPr lang="en-US" sz="1600" dirty="0" err="1">
-                <a:solidFill>
-                  <a:srgbClr val="FF0000"/>
-                </a:solidFill>
-                <a:latin typeface="Courier New" pitchFamily="49" charset="0"/>
-                <a:cs typeface="Courier New" pitchFamily="49" charset="0"/>
-              </a:rPr>
-              <a:t>lists:map</a:t>
-            </a:r>
-            <a:r>
-              <a:rPr lang="en-US" sz="1600" dirty="0">
-                <a:latin typeface="Courier New" pitchFamily="49" charset="0"/>
-                <a:cs typeface="Courier New" pitchFamily="49" charset="0"/>
-              </a:rPr>
-              <a:t>(fun(Move) -&gt; </a:t>
-            </a:r>
-            <a:endParaRPr lang="en-US" sz="1600" dirty="0" smtClean="0">
-              <a:latin typeface="Courier New" pitchFamily="49" charset="0"/>
-              <a:cs typeface="Courier New" pitchFamily="49" charset="0"/>
-            </a:endParaRPr>
-          </a:p>
-          <a:p>
-            <a:pPr marL="0" indent="0">
-              <a:buNone/>
-            </a:pPr>
-            <a:r>
-              <a:rPr lang="en-US" sz="1600" dirty="0">
-                <a:latin typeface="Courier New" pitchFamily="49" charset="0"/>
-                <a:cs typeface="Courier New" pitchFamily="49" charset="0"/>
-              </a:rPr>
-              <a:t>	</a:t>
-            </a:r>
-            <a:r>
-              <a:rPr lang="en-US" sz="1600" dirty="0" err="1">
-                <a:solidFill>
-                  <a:srgbClr val="FF0000"/>
-                </a:solidFill>
-                <a:latin typeface="Courier New" pitchFamily="49" charset="0"/>
-                <a:cs typeface="Courier New" pitchFamily="49" charset="0"/>
-              </a:rPr>
-              <a:t>apply_move</a:t>
-            </a:r>
-            <a:r>
-              <a:rPr lang="en-US" sz="1600" dirty="0" smtClean="0">
-                <a:latin typeface="Courier New" pitchFamily="49" charset="0"/>
-                <a:cs typeface="Courier New" pitchFamily="49" charset="0"/>
-              </a:rPr>
-              <a:t>(</a:t>
-            </a:r>
-            <a:r>
-              <a:rPr lang="en-US" sz="1600" dirty="0" err="1" smtClean="0">
-                <a:latin typeface="Courier New" pitchFamily="49" charset="0"/>
-                <a:cs typeface="Courier New" pitchFamily="49" charset="0"/>
-              </a:rPr>
-              <a:t>Move,State</a:t>
-            </a:r>
-            <a:r>
-              <a:rPr lang="en-US" sz="1600" dirty="0">
-                <a:latin typeface="Courier New" pitchFamily="49" charset="0"/>
-                <a:cs typeface="Courier New" pitchFamily="49" charset="0"/>
-              </a:rPr>
-              <a:t>) end, </a:t>
-            </a:r>
-            <a:r>
-              <a:rPr lang="en-US" sz="1600" dirty="0" err="1">
-                <a:solidFill>
-                  <a:srgbClr val="FF0000"/>
-                </a:solidFill>
-                <a:latin typeface="Courier New" pitchFamily="49" charset="0"/>
-                <a:cs typeface="Courier New" pitchFamily="49" charset="0"/>
-              </a:rPr>
-              <a:t>possible_moves</a:t>
-            </a:r>
-            <a:r>
-              <a:rPr lang="en-US" sz="1600" dirty="0">
-                <a:latin typeface="Courier New" pitchFamily="49" charset="0"/>
-                <a:cs typeface="Courier New" pitchFamily="49" charset="0"/>
-              </a:rPr>
-              <a:t>(Yard, State)).</a:t>
-            </a:r>
-          </a:p>
-          <a:p>
-            <a:pPr marL="0" indent="0">
-              <a:buNone/>
-            </a:pPr>
-            <a:endParaRPr lang="en-US" sz="1600" dirty="0" smtClean="0">
-              <a:latin typeface="Courier New" pitchFamily="49" charset="0"/>
-              <a:cs typeface="Courier New" pitchFamily="49" charset="0"/>
-            </a:endParaRPr>
-          </a:p>
-          <a:p>
-            <a:pPr marL="0" indent="0">
-              <a:buNone/>
-            </a:pPr>
-            <a:endParaRPr lang="en-US" sz="1600" dirty="0">
-              <a:latin typeface="Courier New" pitchFamily="49" charset="0"/>
-              <a:cs typeface="Courier New" pitchFamily="49" charset="0"/>
-            </a:endParaRPr>
-          </a:p>
-        </p:txBody>
-      </p:sp>
-    </p:spTree>
-    <p:extLst>
-      <p:ext uri="{BB962C8B-B14F-4D97-AF65-F5344CB8AC3E}">
-        <p14:creationId xmlns:p14="http://schemas.microsoft.com/office/powerpoint/2010/main" val="1973228386"/>
-      </p:ext>
-    </p:extLst>
-  </p:cSld>
-  <p:clrMapOvr>
-    <a:masterClrMapping/>
-  </p:clrMapOvr>
-</p:sld>
-</file>
-
-<file path=ppt/slides/slide11.xml><?xml version="1.0" encoding="utf-8"?>
 <p:sld xmlns:a="http://schemas.openxmlformats.org/drawingml/2006/main" xmlns:r="http://schemas.openxmlformats.org/officeDocument/2006/relationships" xmlns:p="http://schemas.openxmlformats.org/presentationml/2006/main">
   <p:cSld>
     <p:spTree>
@@ -5512,7 +4924,7 @@
 </p:sld>
 </file>
 
-<file path=ppt/slides/slide12.xml><?xml version="1.0" encoding="utf-8"?>
+<file path=ppt/slides/slide11.xml><?xml version="1.0" encoding="utf-8"?>
 <p:sld xmlns:a="http://schemas.openxmlformats.org/drawingml/2006/main" xmlns:r="http://schemas.openxmlformats.org/officeDocument/2006/relationships" xmlns:p="http://schemas.openxmlformats.org/presentationml/2006/main">
   <p:cSld>
     <p:spTree>
@@ -12706,6 +12118,615 @@
 </p:sld>
 </file>
 
+<file path=ppt/slides/slide12.xml><?xml version="1.0" encoding="utf-8"?>
+<p:sld xmlns:a="http://schemas.openxmlformats.org/drawingml/2006/main" xmlns:r="http://schemas.openxmlformats.org/officeDocument/2006/relationships" xmlns:p="http://schemas.openxmlformats.org/presentationml/2006/main">
+  <p:cSld>
+    <p:spTree>
+      <p:nvGrpSpPr>
+        <p:cNvPr id="1" name=""/>
+        <p:cNvGrpSpPr/>
+        <p:nvPr/>
+      </p:nvGrpSpPr>
+      <p:grpSpPr>
+        <a:xfrm>
+          <a:off x="0" y="0"/>
+          <a:ext cx="0" cy="0"/>
+          <a:chOff x="0" y="0"/>
+          <a:chExt cx="0" cy="0"/>
+        </a:xfrm>
+      </p:grpSpPr>
+      <p:sp>
+        <p:nvSpPr>
+          <p:cNvPr id="2" name="Title 1"/>
+          <p:cNvSpPr>
+            <a:spLocks noGrp="1"/>
+          </p:cNvSpPr>
+          <p:nvPr>
+            <p:ph type="title"/>
+          </p:nvPr>
+        </p:nvSpPr>
+        <p:spPr/>
+        <p:txBody>
+          <a:bodyPr/>
+          <a:lstStyle/>
+          <a:p>
+            <a:r>
+              <a:rPr lang="en-US" dirty="0" smtClean="0"/>
+              <a:t>Solution </a:t>
+            </a:r>
+            <a:r>
+              <a:rPr lang="en-US" dirty="0" smtClean="0"/>
+              <a:t>Utilities (Code)</a:t>
+            </a:r>
+            <a:endParaRPr lang="en-US" dirty="0"/>
+          </a:p>
+        </p:txBody>
+      </p:sp>
+      <p:sp>
+        <p:nvSpPr>
+          <p:cNvPr id="3" name="Content Placeholder 2"/>
+          <p:cNvSpPr>
+            <a:spLocks noGrp="1"/>
+          </p:cNvSpPr>
+          <p:nvPr>
+            <p:ph idx="1"/>
+          </p:nvPr>
+        </p:nvSpPr>
+        <p:spPr/>
+        <p:txBody>
+          <a:bodyPr>
+            <a:normAutofit fontScale="77500" lnSpcReduction="20000"/>
+          </a:bodyPr>
+          <a:lstStyle/>
+          <a:p>
+            <a:pPr marL="0" indent="0">
+              <a:buNone/>
+            </a:pPr>
+            <a:r>
+              <a:rPr lang="en-US" sz="1600" dirty="0" smtClean="0">
+                <a:latin typeface="Courier New" pitchFamily="49" charset="0"/>
+                <a:cs typeface="Courier New" pitchFamily="49" charset="0"/>
+              </a:rPr>
+              <a:t>%%</a:t>
+            </a:r>
+            <a:r>
+              <a:rPr lang="en-US" sz="1600" dirty="0" err="1" smtClean="0">
+                <a:latin typeface="Courier New" pitchFamily="49" charset="0"/>
+                <a:cs typeface="Courier New" pitchFamily="49" charset="0"/>
+              </a:rPr>
+              <a:t>generate_all_moves</a:t>
+            </a:r>
+            <a:r>
+              <a:rPr lang="en-US" sz="1600" dirty="0" smtClean="0">
+                <a:latin typeface="Courier New" pitchFamily="49" charset="0"/>
+                <a:cs typeface="Courier New" pitchFamily="49" charset="0"/>
+              </a:rPr>
+              <a:t>(Yard)</a:t>
+            </a:r>
+          </a:p>
+          <a:p>
+            <a:pPr marL="0" indent="0">
+              <a:buNone/>
+            </a:pPr>
+            <a:r>
+              <a:rPr lang="en-US" sz="1600" dirty="0" smtClean="0">
+                <a:latin typeface="Courier New" pitchFamily="49" charset="0"/>
+                <a:cs typeface="Courier New" pitchFamily="49" charset="0"/>
+              </a:rPr>
+              <a:t>%%tail recursive generation using built in fold function and list comprehension</a:t>
+            </a:r>
+          </a:p>
+          <a:p>
+            <a:pPr marL="0" indent="0">
+              <a:buNone/>
+            </a:pPr>
+            <a:r>
+              <a:rPr lang="en-US" sz="1600" dirty="0" err="1" smtClean="0">
+                <a:solidFill>
+                  <a:srgbClr val="FF0000"/>
+                </a:solidFill>
+                <a:latin typeface="Courier New" pitchFamily="49" charset="0"/>
+                <a:cs typeface="Courier New" pitchFamily="49" charset="0"/>
+              </a:rPr>
+              <a:t>generate_all_moves</a:t>
+            </a:r>
+            <a:r>
+              <a:rPr lang="en-US" sz="1600" dirty="0" smtClean="0">
+                <a:solidFill>
+                  <a:srgbClr val="FF0000"/>
+                </a:solidFill>
+                <a:latin typeface="Courier New" pitchFamily="49" charset="0"/>
+                <a:cs typeface="Courier New" pitchFamily="49" charset="0"/>
+              </a:rPr>
+              <a:t> </a:t>
+            </a:r>
+            <a:r>
+              <a:rPr lang="en-US" sz="1600" dirty="0" smtClean="0">
+                <a:latin typeface="Courier New" pitchFamily="49" charset="0"/>
+                <a:cs typeface="Courier New" pitchFamily="49" charset="0"/>
+              </a:rPr>
+              <a:t>(Yard</a:t>
+            </a:r>
+            <a:r>
+              <a:rPr lang="en-US" sz="1600" dirty="0" smtClean="0">
+                <a:latin typeface="Courier New" pitchFamily="49" charset="0"/>
+                <a:cs typeface="Courier New" pitchFamily="49" charset="0"/>
+              </a:rPr>
+              <a:t>) -&gt;</a:t>
+            </a:r>
+          </a:p>
+          <a:p>
+            <a:pPr marL="0" indent="0">
+              <a:buNone/>
+            </a:pPr>
+            <a:r>
+              <a:rPr lang="en-US" sz="1600" dirty="0" smtClean="0">
+                <a:latin typeface="Courier New" pitchFamily="49" charset="0"/>
+                <a:cs typeface="Courier New" pitchFamily="49" charset="0"/>
+              </a:rPr>
+              <a:t>    </a:t>
+            </a:r>
+            <a:r>
+              <a:rPr lang="en-US" sz="1600" dirty="0" err="1">
+                <a:solidFill>
+                  <a:srgbClr val="FF0000"/>
+                </a:solidFill>
+                <a:latin typeface="Courier New" pitchFamily="49" charset="0"/>
+                <a:cs typeface="Courier New" pitchFamily="49" charset="0"/>
+              </a:rPr>
+              <a:t>lists:foldl</a:t>
+            </a:r>
+            <a:r>
+              <a:rPr lang="en-US" sz="1600" dirty="0" smtClean="0">
+                <a:latin typeface="Courier New" pitchFamily="49" charset="0"/>
+                <a:cs typeface="Courier New" pitchFamily="49" charset="0"/>
+              </a:rPr>
+              <a:t>(</a:t>
+            </a:r>
+          </a:p>
+          <a:p>
+            <a:pPr marL="0" indent="0">
+              <a:buNone/>
+            </a:pPr>
+            <a:r>
+              <a:rPr lang="en-US" sz="1600" dirty="0" smtClean="0">
+                <a:latin typeface="Courier New" pitchFamily="49" charset="0"/>
+                <a:cs typeface="Courier New" pitchFamily="49" charset="0"/>
+              </a:rPr>
+              <a:t>        fun({Left, Right}, Moves) -&gt; </a:t>
+            </a:r>
+          </a:p>
+          <a:p>
+            <a:pPr marL="0" indent="0">
+              <a:buNone/>
+            </a:pPr>
+            <a:r>
+              <a:rPr lang="en-US" sz="1600" dirty="0">
+                <a:latin typeface="Courier New" pitchFamily="49" charset="0"/>
+                <a:cs typeface="Courier New" pitchFamily="49" charset="0"/>
+              </a:rPr>
+              <a:t>	</a:t>
+            </a:r>
+            <a:r>
+              <a:rPr lang="en-US" sz="1600" dirty="0" smtClean="0">
+                <a:latin typeface="Courier New" pitchFamily="49" charset="0"/>
+                <a:cs typeface="Courier New" pitchFamily="49" charset="0"/>
+              </a:rPr>
+              <a:t>	[{left, Right, Left}, {right, Left, Right} | Moves] end, </a:t>
+            </a:r>
+          </a:p>
+          <a:p>
+            <a:pPr marL="0" indent="0">
+              <a:buNone/>
+            </a:pPr>
+            <a:r>
+              <a:rPr lang="en-US" sz="1600" dirty="0">
+                <a:latin typeface="Courier New" pitchFamily="49" charset="0"/>
+                <a:cs typeface="Courier New" pitchFamily="49" charset="0"/>
+              </a:rPr>
+              <a:t>	</a:t>
+            </a:r>
+            <a:r>
+              <a:rPr lang="en-US" sz="1600" dirty="0" smtClean="0">
+                <a:latin typeface="Courier New" pitchFamily="49" charset="0"/>
+                <a:cs typeface="Courier New" pitchFamily="49" charset="0"/>
+              </a:rPr>
+              <a:t>[], Yard).</a:t>
+            </a:r>
+          </a:p>
+          <a:p>
+            <a:pPr marL="0" indent="0">
+              <a:buNone/>
+            </a:pPr>
+            <a:endParaRPr lang="en-US" sz="1600" dirty="0" smtClean="0"/>
+          </a:p>
+          <a:p>
+            <a:pPr marL="0" indent="0">
+              <a:buNone/>
+            </a:pPr>
+            <a:r>
+              <a:rPr lang="en-US" sz="1600" dirty="0" smtClean="0">
+                <a:latin typeface="Courier New" pitchFamily="49" charset="0"/>
+                <a:cs typeface="Courier New" pitchFamily="49" charset="0"/>
+              </a:rPr>
+              <a:t>%% </a:t>
+            </a:r>
+            <a:r>
+              <a:rPr lang="en-US" sz="1600" dirty="0">
+                <a:latin typeface="Courier New" pitchFamily="49" charset="0"/>
+                <a:cs typeface="Courier New" pitchFamily="49" charset="0"/>
+              </a:rPr>
+              <a:t>returns all possible moves for a yard in a given state </a:t>
+            </a:r>
+            <a:r>
+              <a:rPr lang="en-US" sz="1600" dirty="0" smtClean="0">
+                <a:latin typeface="Courier New" pitchFamily="49" charset="0"/>
+                <a:cs typeface="Courier New" pitchFamily="49" charset="0"/>
+              </a:rPr>
+              <a:t>based</a:t>
+            </a:r>
+            <a:endParaRPr lang="en-US" sz="1600" dirty="0">
+              <a:latin typeface="Courier New" pitchFamily="49" charset="0"/>
+              <a:cs typeface="Courier New" pitchFamily="49" charset="0"/>
+            </a:endParaRPr>
+          </a:p>
+          <a:p>
+            <a:pPr marL="0" indent="0">
+              <a:buNone/>
+            </a:pPr>
+            <a:r>
+              <a:rPr lang="en-US" sz="1600" dirty="0">
+                <a:latin typeface="Courier New" pitchFamily="49" charset="0"/>
+                <a:cs typeface="Courier New" pitchFamily="49" charset="0"/>
+              </a:rPr>
+              <a:t>%% </a:t>
+            </a:r>
+            <a:r>
+              <a:rPr lang="en-US" sz="1600" dirty="0" smtClean="0">
+                <a:latin typeface="Courier New" pitchFamily="49" charset="0"/>
+                <a:cs typeface="Courier New" pitchFamily="49" charset="0"/>
+              </a:rPr>
+              <a:t>on the "generate </a:t>
+            </a:r>
+            <a:r>
+              <a:rPr lang="en-US" sz="1600" dirty="0">
+                <a:latin typeface="Courier New" pitchFamily="49" charset="0"/>
+                <a:cs typeface="Courier New" pitchFamily="49" charset="0"/>
+              </a:rPr>
+              <a:t>and test" </a:t>
+            </a:r>
+            <a:r>
+              <a:rPr lang="en-US" sz="1600" dirty="0" smtClean="0">
+                <a:latin typeface="Courier New" pitchFamily="49" charset="0"/>
+                <a:cs typeface="Courier New" pitchFamily="49" charset="0"/>
+              </a:rPr>
+              <a:t>A.I. </a:t>
+            </a:r>
+            <a:r>
+              <a:rPr lang="en-US" sz="1600" dirty="0">
+                <a:latin typeface="Courier New" pitchFamily="49" charset="0"/>
+                <a:cs typeface="Courier New" pitchFamily="49" charset="0"/>
+              </a:rPr>
+              <a:t>paradigm</a:t>
+            </a:r>
+          </a:p>
+          <a:p>
+            <a:pPr marL="0" indent="0">
+              <a:buNone/>
+            </a:pPr>
+            <a:r>
+              <a:rPr lang="en-US" sz="1600" dirty="0" err="1">
+                <a:solidFill>
+                  <a:srgbClr val="FF0000"/>
+                </a:solidFill>
+                <a:latin typeface="Courier New" pitchFamily="49" charset="0"/>
+                <a:cs typeface="Courier New" pitchFamily="49" charset="0"/>
+              </a:rPr>
+              <a:t>possible_moves</a:t>
+            </a:r>
+            <a:r>
+              <a:rPr lang="en-US" sz="1600" dirty="0">
+                <a:latin typeface="Courier New" pitchFamily="49" charset="0"/>
+                <a:cs typeface="Courier New" pitchFamily="49" charset="0"/>
+              </a:rPr>
+              <a:t>(Yard, State) -&gt;</a:t>
+            </a:r>
+          </a:p>
+          <a:p>
+            <a:pPr marL="0" indent="0">
+              <a:buNone/>
+            </a:pPr>
+            <a:r>
+              <a:rPr lang="en-US" sz="1600" dirty="0" smtClean="0">
+                <a:latin typeface="Courier New" pitchFamily="49" charset="0"/>
+                <a:cs typeface="Courier New" pitchFamily="49" charset="0"/>
+              </a:rPr>
+              <a:t>	</a:t>
+            </a:r>
+            <a:r>
+              <a:rPr lang="en-US" sz="1600" dirty="0" err="1">
+                <a:solidFill>
+                  <a:srgbClr val="FF0000"/>
+                </a:solidFill>
+                <a:latin typeface="Courier New" pitchFamily="49" charset="0"/>
+                <a:cs typeface="Courier New" pitchFamily="49" charset="0"/>
+              </a:rPr>
+              <a:t>lists:filter</a:t>
+            </a:r>
+            <a:r>
+              <a:rPr lang="en-US" sz="1600" dirty="0">
+                <a:latin typeface="Courier New" pitchFamily="49" charset="0"/>
+                <a:cs typeface="Courier New" pitchFamily="49" charset="0"/>
+              </a:rPr>
+              <a:t>(</a:t>
+            </a:r>
+          </a:p>
+          <a:p>
+            <a:pPr marL="0" indent="0">
+              <a:buNone/>
+            </a:pPr>
+            <a:r>
+              <a:rPr lang="en-US" sz="1600" dirty="0">
+                <a:latin typeface="Courier New" pitchFamily="49" charset="0"/>
+                <a:cs typeface="Courier New" pitchFamily="49" charset="0"/>
+              </a:rPr>
+              <a:t>       </a:t>
+            </a:r>
+            <a:r>
+              <a:rPr lang="en-US" sz="1600" dirty="0" smtClean="0">
+                <a:latin typeface="Courier New" pitchFamily="49" charset="0"/>
+                <a:cs typeface="Courier New" pitchFamily="49" charset="0"/>
+              </a:rPr>
+              <a:t>   </a:t>
+            </a:r>
+            <a:r>
+              <a:rPr lang="en-US" sz="1600" dirty="0">
+                <a:latin typeface="Courier New" pitchFamily="49" charset="0"/>
+                <a:cs typeface="Courier New" pitchFamily="49" charset="0"/>
+              </a:rPr>
+              <a:t> fun(Move) -&gt; </a:t>
+            </a:r>
+            <a:endParaRPr lang="en-US" sz="1600" dirty="0" smtClean="0">
+              <a:latin typeface="Courier New" pitchFamily="49" charset="0"/>
+              <a:cs typeface="Courier New" pitchFamily="49" charset="0"/>
+            </a:endParaRPr>
+          </a:p>
+          <a:p>
+            <a:pPr marL="0" indent="0">
+              <a:buNone/>
+            </a:pPr>
+            <a:r>
+              <a:rPr lang="en-US" sz="1600" dirty="0">
+                <a:latin typeface="Courier New" pitchFamily="49" charset="0"/>
+                <a:cs typeface="Courier New" pitchFamily="49" charset="0"/>
+              </a:rPr>
+              <a:t>	</a:t>
+            </a:r>
+            <a:r>
+              <a:rPr lang="en-US" sz="1600" dirty="0" smtClean="0">
+                <a:latin typeface="Courier New" pitchFamily="49" charset="0"/>
+                <a:cs typeface="Courier New" pitchFamily="49" charset="0"/>
+              </a:rPr>
+              <a:t>	not </a:t>
+            </a:r>
+            <a:r>
+              <a:rPr lang="en-US" sz="1600" dirty="0" err="1">
+                <a:solidFill>
+                  <a:srgbClr val="FF0000"/>
+                </a:solidFill>
+                <a:latin typeface="Courier New" pitchFamily="49" charset="0"/>
+                <a:cs typeface="Courier New" pitchFamily="49" charset="0"/>
+              </a:rPr>
+              <a:t>is_illegal_move</a:t>
+            </a:r>
+            <a:r>
+              <a:rPr lang="en-US" sz="1600" dirty="0">
+                <a:latin typeface="Courier New" pitchFamily="49" charset="0"/>
+                <a:cs typeface="Courier New" pitchFamily="49" charset="0"/>
+              </a:rPr>
+              <a:t>(Move, Yard, State) end, 	</a:t>
+            </a:r>
+            <a:r>
+              <a:rPr lang="en-US" sz="1600" dirty="0" err="1">
+                <a:solidFill>
+                  <a:srgbClr val="FF0000"/>
+                </a:solidFill>
+                <a:latin typeface="Courier New" pitchFamily="49" charset="0"/>
+                <a:cs typeface="Courier New" pitchFamily="49" charset="0"/>
+              </a:rPr>
+              <a:t>generate_all_moves</a:t>
+            </a:r>
+            <a:r>
+              <a:rPr lang="en-US" sz="1600" dirty="0" smtClean="0">
+                <a:latin typeface="Courier New" pitchFamily="49" charset="0"/>
+                <a:cs typeface="Courier New" pitchFamily="49" charset="0"/>
+              </a:rPr>
+              <a:t>(Yard</a:t>
+            </a:r>
+            <a:r>
+              <a:rPr lang="en-US" sz="1600" dirty="0">
+                <a:latin typeface="Courier New" pitchFamily="49" charset="0"/>
+                <a:cs typeface="Courier New" pitchFamily="49" charset="0"/>
+              </a:rPr>
+              <a:t>) </a:t>
+            </a:r>
+            <a:r>
+              <a:rPr lang="en-US" sz="1600" dirty="0" smtClean="0">
+                <a:latin typeface="Courier New" pitchFamily="49" charset="0"/>
+                <a:cs typeface="Courier New" pitchFamily="49" charset="0"/>
+              </a:rPr>
+              <a:t>).</a:t>
+            </a:r>
+          </a:p>
+          <a:p>
+            <a:pPr marL="0" indent="0">
+              <a:buNone/>
+            </a:pPr>
+            <a:endParaRPr lang="en-US" sz="1600" dirty="0">
+              <a:latin typeface="Courier New" pitchFamily="49" charset="0"/>
+              <a:cs typeface="Courier New" pitchFamily="49" charset="0"/>
+            </a:endParaRPr>
+          </a:p>
+          <a:p>
+            <a:pPr marL="0" indent="0">
+              <a:buNone/>
+            </a:pPr>
+            <a:r>
+              <a:rPr lang="en-US" sz="1600" dirty="0">
+                <a:latin typeface="Courier New" pitchFamily="49" charset="0"/>
+                <a:cs typeface="Courier New" pitchFamily="49" charset="0"/>
+              </a:rPr>
+              <a:t>%%expand: take a yard and a state and return a list of all states reachable in one step</a:t>
+            </a:r>
+          </a:p>
+          <a:p>
+            <a:pPr marL="0" indent="0">
+              <a:buNone/>
+            </a:pPr>
+            <a:r>
+              <a:rPr lang="en-US" sz="1600" dirty="0">
+                <a:solidFill>
+                  <a:srgbClr val="FF0000"/>
+                </a:solidFill>
+                <a:latin typeface="Courier New" pitchFamily="49" charset="0"/>
+                <a:cs typeface="Courier New" pitchFamily="49" charset="0"/>
+              </a:rPr>
+              <a:t>expand</a:t>
+            </a:r>
+            <a:r>
+              <a:rPr lang="en-US" sz="1600" dirty="0">
+                <a:latin typeface="Courier New" pitchFamily="49" charset="0"/>
+                <a:cs typeface="Courier New" pitchFamily="49" charset="0"/>
+              </a:rPr>
+              <a:t>(State, Yard) -&gt;</a:t>
+            </a:r>
+          </a:p>
+          <a:p>
+            <a:pPr marL="0" indent="0">
+              <a:buNone/>
+            </a:pPr>
+            <a:r>
+              <a:rPr lang="en-US" sz="1600" dirty="0">
+                <a:latin typeface="Courier New" pitchFamily="49" charset="0"/>
+                <a:cs typeface="Courier New" pitchFamily="49" charset="0"/>
+              </a:rPr>
+              <a:t>    </a:t>
+            </a:r>
+            <a:r>
+              <a:rPr lang="en-US" sz="1600" dirty="0" err="1">
+                <a:solidFill>
+                  <a:srgbClr val="FF0000"/>
+                </a:solidFill>
+                <a:latin typeface="Courier New" pitchFamily="49" charset="0"/>
+                <a:cs typeface="Courier New" pitchFamily="49" charset="0"/>
+              </a:rPr>
+              <a:t>lists:map</a:t>
+            </a:r>
+            <a:r>
+              <a:rPr lang="en-US" sz="1600" dirty="0">
+                <a:latin typeface="Courier New" pitchFamily="49" charset="0"/>
+                <a:cs typeface="Courier New" pitchFamily="49" charset="0"/>
+              </a:rPr>
+              <a:t>(fun(Move) -&gt; </a:t>
+            </a:r>
+            <a:endParaRPr lang="en-US" sz="1600" dirty="0" smtClean="0">
+              <a:latin typeface="Courier New" pitchFamily="49" charset="0"/>
+              <a:cs typeface="Courier New" pitchFamily="49" charset="0"/>
+            </a:endParaRPr>
+          </a:p>
+          <a:p>
+            <a:pPr marL="0" indent="0">
+              <a:buNone/>
+            </a:pPr>
+            <a:r>
+              <a:rPr lang="en-US" sz="1600" dirty="0">
+                <a:latin typeface="Courier New" pitchFamily="49" charset="0"/>
+                <a:cs typeface="Courier New" pitchFamily="49" charset="0"/>
+              </a:rPr>
+              <a:t>	</a:t>
+            </a:r>
+            <a:r>
+              <a:rPr lang="en-US" sz="1600" dirty="0" err="1">
+                <a:solidFill>
+                  <a:srgbClr val="FF0000"/>
+                </a:solidFill>
+                <a:latin typeface="Courier New" pitchFamily="49" charset="0"/>
+                <a:cs typeface="Courier New" pitchFamily="49" charset="0"/>
+              </a:rPr>
+              <a:t>apply_move</a:t>
+            </a:r>
+            <a:r>
+              <a:rPr lang="en-US" sz="1600" dirty="0" smtClean="0">
+                <a:latin typeface="Courier New" pitchFamily="49" charset="0"/>
+                <a:cs typeface="Courier New" pitchFamily="49" charset="0"/>
+              </a:rPr>
+              <a:t>(</a:t>
+            </a:r>
+            <a:r>
+              <a:rPr lang="en-US" sz="1600" dirty="0" err="1" smtClean="0">
+                <a:latin typeface="Courier New" pitchFamily="49" charset="0"/>
+                <a:cs typeface="Courier New" pitchFamily="49" charset="0"/>
+              </a:rPr>
+              <a:t>Move,State</a:t>
+            </a:r>
+            <a:r>
+              <a:rPr lang="en-US" sz="1600" dirty="0">
+                <a:latin typeface="Courier New" pitchFamily="49" charset="0"/>
+                <a:cs typeface="Courier New" pitchFamily="49" charset="0"/>
+              </a:rPr>
+              <a:t>) end, </a:t>
+            </a:r>
+            <a:r>
+              <a:rPr lang="en-US" sz="1600" dirty="0" err="1">
+                <a:solidFill>
+                  <a:srgbClr val="FF0000"/>
+                </a:solidFill>
+                <a:latin typeface="Courier New" pitchFamily="49" charset="0"/>
+                <a:cs typeface="Courier New" pitchFamily="49" charset="0"/>
+              </a:rPr>
+              <a:t>possible_moves</a:t>
+            </a:r>
+            <a:r>
+              <a:rPr lang="en-US" sz="1600" dirty="0">
+                <a:latin typeface="Courier New" pitchFamily="49" charset="0"/>
+                <a:cs typeface="Courier New" pitchFamily="49" charset="0"/>
+              </a:rPr>
+              <a:t>(Yard, State)).</a:t>
+            </a:r>
+          </a:p>
+          <a:p>
+            <a:pPr marL="0" indent="0">
+              <a:buNone/>
+            </a:pPr>
+            <a:endParaRPr lang="en-US" sz="1600" dirty="0" smtClean="0">
+              <a:latin typeface="Courier New" pitchFamily="49" charset="0"/>
+              <a:cs typeface="Courier New" pitchFamily="49" charset="0"/>
+            </a:endParaRPr>
+          </a:p>
+          <a:p>
+            <a:pPr marL="0" indent="0">
+              <a:buNone/>
+            </a:pPr>
+            <a:endParaRPr lang="en-US" sz="1600" dirty="0">
+              <a:latin typeface="Courier New" pitchFamily="49" charset="0"/>
+              <a:cs typeface="Courier New" pitchFamily="49" charset="0"/>
+            </a:endParaRPr>
+          </a:p>
+        </p:txBody>
+      </p:sp>
+    </p:spTree>
+    <p:extLst>
+      <p:ext uri="{BB962C8B-B14F-4D97-AF65-F5344CB8AC3E}">
+        <p14:creationId xmlns:p14="http://schemas.microsoft.com/office/powerpoint/2010/main" val="1973228386"/>
+      </p:ext>
+    </p:extLst>
+  </p:cSld>
+  <p:clrMapOvr>
+    <a:masterClrMapping/>
+  </p:clrMapOvr>
+</p:sld>
+</file>
+
 <file path=ppt/slides/slide13.xml><?xml version="1.0" encoding="utf-8"?>
 <p:sld xmlns:a="http://schemas.openxmlformats.org/drawingml/2006/main" xmlns:r="http://schemas.openxmlformats.org/officeDocument/2006/relationships" xmlns:p="http://schemas.openxmlformats.org/presentationml/2006/main">
   <p:cSld>
@@ -12766,12 +12787,12 @@
         <p:spPr>
           <a:xfrm>
             <a:off x="457200" y="990600"/>
-            <a:ext cx="8229600" cy="5135563"/>
+            <a:ext cx="8229600" cy="5638800"/>
           </a:xfrm>
         </p:spPr>
         <p:txBody>
           <a:bodyPr>
-            <a:normAutofit fontScale="40000" lnSpcReduction="20000"/>
+            <a:normAutofit fontScale="32500" lnSpcReduction="20000"/>
           </a:bodyPr>
           <a:lstStyle/>
           <a:p>
@@ -12899,6 +12920,58 @@
             </a:endParaRPr>
           </a:p>
           <a:p>
+            <a:pPr marL="0" indent="0">
+              <a:buNone/>
+            </a:pPr>
+            <a:endParaRPr lang="en-US" sz="3700" dirty="0" smtClean="0">
+              <a:latin typeface="Courier New" pitchFamily="49" charset="0"/>
+              <a:cs typeface="Courier New" pitchFamily="49" charset="0"/>
+            </a:endParaRPr>
+          </a:p>
+          <a:p>
+            <a:pPr marL="0" indent="0">
+              <a:buNone/>
+            </a:pPr>
+            <a:r>
+              <a:rPr lang="en-US" sz="3700" dirty="0">
+                <a:latin typeface="Courier New" pitchFamily="49" charset="0"/>
+                <a:cs typeface="Courier New" pitchFamily="49" charset="0"/>
+              </a:rPr>
+              <a:t>%</a:t>
+            </a:r>
+            <a:r>
+              <a:rPr lang="en-US" sz="3700" dirty="0" err="1">
+                <a:latin typeface="Courier New" pitchFamily="49" charset="0"/>
+                <a:cs typeface="Courier New" pitchFamily="49" charset="0"/>
+              </a:rPr>
+              <a:t>recurse</a:t>
+            </a:r>
+            <a:r>
+              <a:rPr lang="en-US" sz="3700" dirty="0">
+                <a:latin typeface="Courier New" pitchFamily="49" charset="0"/>
+                <a:cs typeface="Courier New" pitchFamily="49" charset="0"/>
+              </a:rPr>
+              <a:t> over the generated states as a stack</a:t>
+            </a:r>
+          </a:p>
+          <a:p>
+            <a:pPr marL="0" indent="0">
+              <a:buNone/>
+            </a:pPr>
+            <a:r>
+              <a:rPr lang="en-US" sz="3700" dirty="0">
+                <a:latin typeface="Courier New" pitchFamily="49" charset="0"/>
+                <a:cs typeface="Courier New" pitchFamily="49" charset="0"/>
+              </a:rPr>
+              <a:t>%if we empty the stack return </a:t>
+            </a:r>
+            <a:r>
+              <a:rPr lang="en-US" sz="3700" dirty="0" err="1" smtClean="0">
+                <a:latin typeface="Courier New" pitchFamily="49" charset="0"/>
+                <a:cs typeface="Courier New" pitchFamily="49" charset="0"/>
+              </a:rPr>
+              <a:t>not_found</a:t>
+            </a:r>
             <a:endParaRPr lang="en-US" sz="3700" dirty="0">
               <a:latin typeface="Courier New" pitchFamily="49" charset="0"/>
               <a:cs typeface="Courier New" pitchFamily="49" charset="0"/>
@@ -12909,18 +12982,6 @@
               <a:buNone/>
             </a:pPr>
             <a:r>
-              <a:rPr lang="en-US" sz="3700" dirty="0">
-                <a:latin typeface="Courier New" pitchFamily="49" charset="0"/>
-                <a:cs typeface="Courier New" pitchFamily="49" charset="0"/>
-              </a:rPr>
-              <a:t>%first try to match the goal state</a:t>
-            </a:r>
-          </a:p>
-          <a:p>
-            <a:pPr marL="0" indent="0">
-              <a:buNone/>
-            </a:pPr>
-            <a:r>
               <a:rPr lang="en-US" sz="3700" dirty="0" err="1">
                 <a:solidFill>
                   <a:srgbClr val="FF0000"/>
@@ -12935,6 +12996,66 @@
                 <a:latin typeface="Courier New" pitchFamily="49" charset="0"/>
                 <a:cs typeface="Courier New" pitchFamily="49" charset="0"/>
               </a:rPr>
+              <a:t>(_Problem, [], _Limit) -&gt;</a:t>
+            </a:r>
+          </a:p>
+          <a:p>
+            <a:pPr marL="0" indent="0">
+              <a:buNone/>
+            </a:pPr>
+            <a:r>
+              <a:rPr lang="en-US" sz="3700" dirty="0">
+                <a:latin typeface="Courier New" pitchFamily="49" charset="0"/>
+                <a:cs typeface="Courier New" pitchFamily="49" charset="0"/>
+              </a:rPr>
+              <a:t>    {</a:t>
+            </a:r>
+            <a:r>
+              <a:rPr lang="en-US" sz="3700" dirty="0" err="1">
+                <a:latin typeface="Courier New" pitchFamily="49" charset="0"/>
+                <a:cs typeface="Courier New" pitchFamily="49" charset="0"/>
+              </a:rPr>
+              <a:t>not_found</a:t>
+            </a:r>
+            <a:r>
+              <a:rPr lang="en-US" sz="3700" dirty="0">
+                <a:latin typeface="Courier New" pitchFamily="49" charset="0"/>
+                <a:cs typeface="Courier New" pitchFamily="49" charset="0"/>
+              </a:rPr>
+              <a:t>};</a:t>
+            </a:r>
+          </a:p>
+          <a:p>
+            <a:pPr marL="0" indent="0">
+              <a:buNone/>
+            </a:pPr>
+            <a:r>
+              <a:rPr lang="en-US" sz="3700" dirty="0">
+                <a:latin typeface="Courier New" pitchFamily="49" charset="0"/>
+                <a:cs typeface="Courier New" pitchFamily="49" charset="0"/>
+              </a:rPr>
+              <a:t>%first try to match the goal state</a:t>
+            </a:r>
+          </a:p>
+          <a:p>
+            <a:pPr marL="0" indent="0">
+              <a:buNone/>
+            </a:pPr>
+            <a:r>
+              <a:rPr lang="en-US" sz="3700" dirty="0" err="1">
+                <a:solidFill>
+                  <a:srgbClr val="FF0000"/>
+                </a:solidFill>
+                <a:latin typeface="Courier New" pitchFamily="49" charset="0"/>
+                <a:cs typeface="Courier New" pitchFamily="49" charset="0"/>
+              </a:rPr>
+              <a:t>dls_recursive</a:t>
+            </a:r>
+            <a:r>
+              <a:rPr lang="en-US" sz="3700" dirty="0">
+                <a:latin typeface="Courier New" pitchFamily="49" charset="0"/>
+                <a:cs typeface="Courier New" pitchFamily="49" charset="0"/>
+              </a:rPr>
               <a:t>(</a:t>
             </a:r>
           </a:p>
@@ -13135,109 +13256,46 @@
                 <a:latin typeface="Courier New" pitchFamily="49" charset="0"/>
                 <a:cs typeface="Courier New" pitchFamily="49" charset="0"/>
               </a:rPr>
-              <a:t>(_Problem</a:t>
-            </a:r>
+              <a:t>(Problem,</a:t>
+            </a:r>
+          </a:p>
+          <a:p>
+            <a:pPr marL="0" indent="0">
+              <a:buNone/>
+            </a:pPr>
+            <a:r>
+              <a:rPr lang="en-US" sz="3700" dirty="0">
+                <a:latin typeface="Courier New" pitchFamily="49" charset="0"/>
+                <a:cs typeface="Courier New" pitchFamily="49" charset="0"/>
+              </a:rPr>
+              <a:t>    [#</a:t>
+            </a:r>
+            <a:r>
+              <a:rPr lang="en-US" sz="3700" dirty="0" err="1">
+                <a:latin typeface="Courier New" pitchFamily="49" charset="0"/>
+                <a:cs typeface="Courier New" pitchFamily="49" charset="0"/>
+              </a:rPr>
+              <a:t>solution_state</a:t>
+            </a:r>
+            <a:r>
+              <a:rPr lang="en-US" sz="3700" dirty="0">
+                <a:latin typeface="Courier New" pitchFamily="49" charset="0"/>
+                <a:cs typeface="Courier New" pitchFamily="49" charset="0"/>
+              </a:rPr>
+              <a:t>{moves = Moves} | Rest], Limit) when length(Moves) &gt;= Limit -&gt;</a:t>
+            </a:r>
+          </a:p>
+          <a:p>
+            <a:pPr marL="0" indent="0">
+              <a:buNone/>
+            </a:pPr>
             <a:r>
               <a:rPr lang="en-US" sz="3700" dirty="0" smtClean="0">
                 <a:latin typeface="Courier New" pitchFamily="49" charset="0"/>
                 <a:cs typeface="Courier New" pitchFamily="49" charset="0"/>
               </a:rPr>
-              <a:t>, #</a:t>
-            </a:r>
-            <a:r>
-              <a:rPr lang="en-US" sz="3700" dirty="0" err="1">
-                <a:latin typeface="Courier New" pitchFamily="49" charset="0"/>
-                <a:cs typeface="Courier New" pitchFamily="49" charset="0"/>
-              </a:rPr>
-              <a:t>solution_state</a:t>
-            </a:r>
-            <a:r>
-              <a:rPr lang="en-US" sz="3700" dirty="0">
-                <a:latin typeface="Courier New" pitchFamily="49" charset="0"/>
-                <a:cs typeface="Courier New" pitchFamily="49" charset="0"/>
-              </a:rPr>
-              <a:t>{depth = Depth}, Limit) </a:t>
-            </a:r>
-            <a:endParaRPr lang="en-US" sz="3700" dirty="0" smtClean="0">
-              <a:latin typeface="Courier New" pitchFamily="49" charset="0"/>
-              <a:cs typeface="Courier New" pitchFamily="49" charset="0"/>
-            </a:endParaRPr>
-          </a:p>
-          <a:p>
-            <a:pPr marL="0" indent="0">
-              <a:buNone/>
-            </a:pPr>
-            <a:r>
-              <a:rPr lang="en-US" sz="3700" dirty="0" smtClean="0">
-                <a:latin typeface="Courier New" pitchFamily="49" charset="0"/>
-                <a:cs typeface="Courier New" pitchFamily="49" charset="0"/>
-              </a:rPr>
-              <a:t>	when </a:t>
-            </a:r>
-            <a:r>
-              <a:rPr lang="en-US" sz="3700" dirty="0">
-                <a:latin typeface="Courier New" pitchFamily="49" charset="0"/>
-                <a:cs typeface="Courier New" pitchFamily="49" charset="0"/>
-              </a:rPr>
-              <a:t>Depth &gt;= Limit -&gt;</a:t>
-            </a:r>
-          </a:p>
-          <a:p>
-            <a:pPr marL="0" indent="0">
-              <a:buNone/>
-            </a:pPr>
-            <a:r>
-              <a:rPr lang="en-US" sz="3700" dirty="0">
-                <a:latin typeface="Courier New" pitchFamily="49" charset="0"/>
-                <a:cs typeface="Courier New" pitchFamily="49" charset="0"/>
-              </a:rPr>
-              <a:t>    {</a:t>
-            </a:r>
-            <a:r>
-              <a:rPr lang="en-US" sz="3700" dirty="0" err="1">
-                <a:latin typeface="Courier New" pitchFamily="49" charset="0"/>
-                <a:cs typeface="Courier New" pitchFamily="49" charset="0"/>
-              </a:rPr>
-              <a:t>not_found</a:t>
-            </a:r>
-            <a:r>
-              <a:rPr lang="en-US" sz="3700" dirty="0">
-                <a:latin typeface="Courier New" pitchFamily="49" charset="0"/>
-                <a:cs typeface="Courier New" pitchFamily="49" charset="0"/>
-              </a:rPr>
-              <a:t>, </a:t>
-            </a:r>
-            <a:r>
-              <a:rPr lang="en-US" sz="3700" dirty="0" err="1">
-                <a:latin typeface="Courier New" pitchFamily="49" charset="0"/>
-                <a:cs typeface="Courier New" pitchFamily="49" charset="0"/>
-              </a:rPr>
-              <a:t>max_depth_reached</a:t>
-            </a:r>
-            <a:r>
-              <a:rPr lang="en-US" sz="3700" dirty="0">
-                <a:latin typeface="Courier New" pitchFamily="49" charset="0"/>
-                <a:cs typeface="Courier New" pitchFamily="49" charset="0"/>
-              </a:rPr>
-              <a:t>};</a:t>
-            </a:r>
-          </a:p>
-          <a:p>
-            <a:pPr marL="0" indent="0">
-              <a:buNone/>
-            </a:pPr>
-            <a:r>
-              <a:rPr lang="en-US" sz="3700" dirty="0">
-                <a:latin typeface="Courier New" pitchFamily="49" charset="0"/>
-                <a:cs typeface="Courier New" pitchFamily="49" charset="0"/>
-              </a:rPr>
-              <a:t>%else generate the next possible states and iterate through them</a:t>
-            </a:r>
-          </a:p>
-          <a:p>
-            <a:pPr marL="0" indent="0">
-              <a:buNone/>
-            </a:pPr>
+              <a:t>    </a:t>
+            </a:r>
             <a:r>
               <a:rPr lang="en-US" sz="3700" dirty="0" err="1">
                 <a:solidFill>
@@ -13249,12 +13307,23 @@
               <a:t>dls_recursive</a:t>
             </a:r>
             <a:r>
+              <a:rPr lang="en-US" sz="3700" dirty="0" smtClean="0">
+                <a:latin typeface="Courier New" pitchFamily="49" charset="0"/>
+                <a:cs typeface="Courier New" pitchFamily="49" charset="0"/>
+              </a:rPr>
+              <a:t>(Problem</a:t>
+            </a:r>
+            <a:r>
               <a:rPr lang="en-US" sz="3700" dirty="0">
                 <a:latin typeface="Courier New" pitchFamily="49" charset="0"/>
                 <a:cs typeface="Courier New" pitchFamily="49" charset="0"/>
               </a:rPr>
-              <a:t>(Problem, State, Limit) -&gt;</a:t>
-            </a:r>
+              <a:t>, Rest, Limit); </a:t>
+            </a:r>
+            <a:endParaRPr lang="en-US" sz="3700" dirty="0">
+              <a:latin typeface="Courier New" pitchFamily="49" charset="0"/>
+              <a:cs typeface="Courier New" pitchFamily="49" charset="0"/>
+            </a:endParaRPr>
           </a:p>
           <a:p>
             <a:pPr marL="0" indent="0">
@@ -13265,34 +13334,20 @@
                 <a:latin typeface="Courier New" pitchFamily="49" charset="0"/>
                 <a:cs typeface="Courier New" pitchFamily="49" charset="0"/>
               </a:rPr>
-              <a:t>    %expand the solution with all possible moves and go deeper</a:t>
+              <a:t>%</a:t>
+            </a:r>
+            <a:r>
+              <a:rPr lang="en-US" sz="3800" dirty="0">
+                <a:latin typeface="Courier New" pitchFamily="49" charset="0"/>
+                <a:cs typeface="Courier New" pitchFamily="49" charset="0"/>
+              </a:rPr>
+              <a:t>else generate the next possible states and iterate through them</a:t>
             </a:r>
           </a:p>
           <a:p>
             <a:pPr marL="0" indent="0">
               <a:buNone/>
             </a:pPr>
-            <a:r>
-              <a:rPr lang="en-US" sz="3700" dirty="0">
-                <a:latin typeface="Courier New" pitchFamily="49" charset="0"/>
-                <a:cs typeface="Courier New" pitchFamily="49" charset="0"/>
-              </a:rPr>
-              <a:t>    </a:t>
-            </a:r>
-            <a:r>
-              <a:rPr lang="en-US" sz="3700" dirty="0" err="1">
-                <a:latin typeface="Courier New" pitchFamily="49" charset="0"/>
-                <a:cs typeface="Courier New" pitchFamily="49" charset="0"/>
-              </a:rPr>
-              <a:t>New_SStates</a:t>
-            </a:r>
-            <a:r>
-              <a:rPr lang="en-US" sz="3700" dirty="0">
-                <a:latin typeface="Courier New" pitchFamily="49" charset="0"/>
-                <a:cs typeface="Courier New" pitchFamily="49" charset="0"/>
-              </a:rPr>
-              <a:t> = </a:t>
-            </a:r>
             <a:r>
               <a:rPr lang="en-US" sz="3700" dirty="0" err="1">
                 <a:solidFill>
@@ -13301,14 +13356,14 @@
                 <a:latin typeface="Courier New" pitchFamily="49" charset="0"/>
                 <a:cs typeface="Courier New" pitchFamily="49" charset="0"/>
               </a:rPr>
-              <a:t>expand_solution</a:t>
-            </a:r>
-            <a:r>
-              <a:rPr lang="en-US" sz="3700" dirty="0">
-                <a:latin typeface="Courier New" pitchFamily="49" charset="0"/>
-                <a:cs typeface="Courier New" pitchFamily="49" charset="0"/>
-              </a:rPr>
-              <a:t>(Problem, State),</a:t>
+              <a:t>dls_recursive</a:t>
+            </a:r>
+            <a:r>
+              <a:rPr lang="en-US" sz="3800" dirty="0">
+                <a:latin typeface="Courier New" pitchFamily="49" charset="0"/>
+                <a:cs typeface="Courier New" pitchFamily="49" charset="0"/>
+              </a:rPr>
+              <a:t>(Problem, [First | Rest], Limit) -&gt;</a:t>
             </a:r>
           </a:p>
           <a:p>
@@ -13316,41 +13371,37 @@
               <a:buNone/>
             </a:pPr>
             <a:r>
-              <a:rPr lang="en-US" sz="3700" dirty="0">
-                <a:latin typeface="Courier New" pitchFamily="49" charset="0"/>
-                <a:cs typeface="Courier New" pitchFamily="49" charset="0"/>
-              </a:rPr>
-              <a:t>    %try each one until it </a:t>
-            </a:r>
-            <a:r>
-              <a:rPr lang="en-US" sz="3700" dirty="0" smtClean="0">
-                <a:latin typeface="Courier New" pitchFamily="49" charset="0"/>
-                <a:cs typeface="Courier New" pitchFamily="49" charset="0"/>
-              </a:rPr>
-              <a:t>passes or return </a:t>
-            </a:r>
-            <a:r>
-              <a:rPr lang="en-US" sz="3700" dirty="0" err="1" smtClean="0">
-                <a:latin typeface="Courier New" pitchFamily="49" charset="0"/>
-                <a:cs typeface="Courier New" pitchFamily="49" charset="0"/>
-              </a:rPr>
-              <a:t>out_of_moves</a:t>
-            </a:r>
-            <a:endParaRPr lang="en-US" sz="3700" dirty="0">
-              <a:latin typeface="Courier New" pitchFamily="49" charset="0"/>
-              <a:cs typeface="Courier New" pitchFamily="49" charset="0"/>
-            </a:endParaRPr>
+              <a:rPr lang="en-US" sz="3800" dirty="0">
+                <a:latin typeface="Courier New" pitchFamily="49" charset="0"/>
+                <a:cs typeface="Courier New" pitchFamily="49" charset="0"/>
+              </a:rPr>
+              <a:t>    %expand the solution with all possible moves and go deeper</a:t>
+            </a:r>
           </a:p>
           <a:p>
             <a:pPr marL="0" indent="0">
               <a:buNone/>
             </a:pPr>
             <a:r>
-              <a:rPr lang="en-US" sz="3700" dirty="0">
+              <a:rPr lang="en-US" sz="3800" dirty="0">
                 <a:latin typeface="Courier New" pitchFamily="49" charset="0"/>
                 <a:cs typeface="Courier New" pitchFamily="49" charset="0"/>
               </a:rPr>
               <a:t>    </a:t>
+            </a:r>
+            <a:r>
+              <a:rPr lang="en-US" sz="3800" dirty="0" err="1">
+                <a:latin typeface="Courier New" pitchFamily="49" charset="0"/>
+                <a:cs typeface="Courier New" pitchFamily="49" charset="0"/>
+              </a:rPr>
+              <a:t>New_SStates</a:t>
+            </a:r>
+            <a:r>
+              <a:rPr lang="en-US" sz="3800" dirty="0">
+                <a:latin typeface="Courier New" pitchFamily="49" charset="0"/>
+                <a:cs typeface="Courier New" pitchFamily="49" charset="0"/>
+              </a:rPr>
+              <a:t> = </a:t>
             </a:r>
             <a:r>
               <a:rPr lang="en-US" sz="3700" dirty="0" err="1">
@@ -13360,32 +13411,68 @@
                 <a:latin typeface="Courier New" pitchFamily="49" charset="0"/>
                 <a:cs typeface="Courier New" pitchFamily="49" charset="0"/>
               </a:rPr>
-              <a:t>dls_recurse_with_cut_off</a:t>
-            </a:r>
-            <a:r>
-              <a:rPr lang="en-US" sz="3700" dirty="0">
-                <a:latin typeface="Courier New" pitchFamily="49" charset="0"/>
-                <a:cs typeface="Courier New" pitchFamily="49" charset="0"/>
-              </a:rPr>
-              <a:t>(Problem, </a:t>
-            </a:r>
-            <a:r>
-              <a:rPr lang="en-US" sz="3700" dirty="0" err="1">
+              <a:t>expand_solution</a:t>
+            </a:r>
+            <a:r>
+              <a:rPr lang="en-US" sz="3800" dirty="0">
+                <a:latin typeface="Courier New" pitchFamily="49" charset="0"/>
+                <a:cs typeface="Courier New" pitchFamily="49" charset="0"/>
+              </a:rPr>
+              <a:t>(Problem, First),</a:t>
+            </a:r>
+          </a:p>
+          <a:p>
+            <a:pPr marL="0" indent="0">
+              <a:buNone/>
+            </a:pPr>
+            <a:r>
+              <a:rPr lang="en-US" sz="3800" dirty="0">
+                <a:latin typeface="Courier New" pitchFamily="49" charset="0"/>
+                <a:cs typeface="Courier New" pitchFamily="49" charset="0"/>
+              </a:rPr>
+              <a:t>    </a:t>
+            </a:r>
+            <a:r>
+              <a:rPr lang="en-US" sz="3700" dirty="0" err="1" smtClean="0">
+                <a:solidFill>
+                  <a:srgbClr val="FF0000"/>
+                </a:solidFill>
+                <a:latin typeface="Courier New" pitchFamily="49" charset="0"/>
+                <a:cs typeface="Courier New" pitchFamily="49" charset="0"/>
+              </a:rPr>
+              <a:t>dls_recursive</a:t>
+            </a:r>
+            <a:r>
+              <a:rPr lang="en-US" sz="3700" dirty="0" smtClean="0">
+                <a:solidFill>
+                  <a:srgbClr val="FF0000"/>
+                </a:solidFill>
+                <a:latin typeface="Courier New" pitchFamily="49" charset="0"/>
+                <a:cs typeface="Courier New" pitchFamily="49" charset="0"/>
+              </a:rPr>
+              <a:t>(Problem</a:t>
+            </a:r>
+            <a:r>
+              <a:rPr lang="en-US" sz="3800" dirty="0">
+                <a:latin typeface="Courier New" pitchFamily="49" charset="0"/>
+                <a:cs typeface="Courier New" pitchFamily="49" charset="0"/>
+              </a:rPr>
+              <a:t>, </a:t>
+            </a:r>
+            <a:r>
+              <a:rPr lang="en-US" sz="3800" dirty="0" err="1">
                 <a:latin typeface="Courier New" pitchFamily="49" charset="0"/>
                 <a:cs typeface="Courier New" pitchFamily="49" charset="0"/>
               </a:rPr>
               <a:t>New_SStates</a:t>
             </a:r>
             <a:r>
-              <a:rPr lang="en-US" sz="3700" dirty="0">
-                <a:latin typeface="Courier New" pitchFamily="49" charset="0"/>
-                <a:cs typeface="Courier New" pitchFamily="49" charset="0"/>
-              </a:rPr>
-              <a:t>, Limit).</a:t>
-            </a:r>
-          </a:p>
-          <a:p>
-            <a:endParaRPr lang="en-US" dirty="0"/>
+              <a:rPr lang="en-US" sz="3800" dirty="0">
+                <a:latin typeface="Courier New" pitchFamily="49" charset="0"/>
+                <a:cs typeface="Courier New" pitchFamily="49" charset="0"/>
+              </a:rPr>
+              <a:t> ++ Rest, Limit).</a:t>
+            </a:r>
           </a:p>
         </p:txBody>
       </p:sp>
@@ -19965,17 +20052,10 @@
                 <a:latin typeface="Courier New" pitchFamily="49" charset="0"/>
                 <a:cs typeface="Courier New" pitchFamily="49" charset="0"/>
               </a:rPr>
-              <a:t>{state = #state</a:t>
-            </a:r>
-            <a:r>
-              <a:rPr lang="en-US" sz="1600">
-                <a:latin typeface="Courier New" pitchFamily="49" charset="0"/>
-                <a:cs typeface="Courier New" pitchFamily="49" charset="0"/>
-              </a:rPr>
-              <a:t>{}, </a:t>
-            </a:r>
-            <a:r>
-              <a:rPr lang="en-US" sz="1600" smtClean="0">
+              <a:t>{state = #state{}, </a:t>
+            </a:r>
+            <a:r>
+              <a:rPr lang="en-US" sz="1600" dirty="0" smtClean="0">
                 <a:latin typeface="Courier New" pitchFamily="49" charset="0"/>
                 <a:cs typeface="Courier New" pitchFamily="49" charset="0"/>
               </a:rPr>
